--- a/JavaScript/Ppt/JavascriptChapter2.pptx
+++ b/JavaScript/Ppt/JavascriptChapter2.pptx
@@ -230,7 +230,7 @@
             <a:fld id="{A52450AA-0569-49E9-9A7E-F53B4EDDCE65}" type="datetimeFigureOut">
               <a:rPr lang="en-US" smtClean="0"/>
               <a:pPr/>
-              <a:t>10/4/2023</a:t>
+              <a:t>1/14/2025</a:t>
             </a:fld>
             <a:endParaRPr lang="en-US"/>
           </a:p>
@@ -757,7 +757,7 @@
             <a:fld id="{0CF6B6CD-4280-4DE7-9947-040CDBB809E3}" type="datetimeFigureOut">
               <a:rPr lang="en-US" smtClean="0"/>
               <a:pPr/>
-              <a:t>10/4/2023</a:t>
+              <a:t>1/14/2025</a:t>
             </a:fld>
             <a:endParaRPr lang="en-US"/>
           </a:p>
@@ -923,7 +923,7 @@
             <a:fld id="{0CF6B6CD-4280-4DE7-9947-040CDBB809E3}" type="datetimeFigureOut">
               <a:rPr lang="en-US" smtClean="0"/>
               <a:pPr/>
-              <a:t>10/4/2023</a:t>
+              <a:t>1/14/2025</a:t>
             </a:fld>
             <a:endParaRPr lang="en-US"/>
           </a:p>
@@ -1099,7 +1099,7 @@
             <a:fld id="{0CF6B6CD-4280-4DE7-9947-040CDBB809E3}" type="datetimeFigureOut">
               <a:rPr lang="en-US" smtClean="0"/>
               <a:pPr/>
-              <a:t>10/4/2023</a:t>
+              <a:t>1/14/2025</a:t>
             </a:fld>
             <a:endParaRPr lang="en-US"/>
           </a:p>
@@ -1265,7 +1265,7 @@
             <a:fld id="{0CF6B6CD-4280-4DE7-9947-040CDBB809E3}" type="datetimeFigureOut">
               <a:rPr lang="en-US" smtClean="0"/>
               <a:pPr/>
-              <a:t>10/4/2023</a:t>
+              <a:t>1/14/2025</a:t>
             </a:fld>
             <a:endParaRPr lang="en-US"/>
           </a:p>
@@ -1508,7 +1508,7 @@
             <a:fld id="{0CF6B6CD-4280-4DE7-9947-040CDBB809E3}" type="datetimeFigureOut">
               <a:rPr lang="en-US" smtClean="0"/>
               <a:pPr/>
-              <a:t>10/4/2023</a:t>
+              <a:t>1/14/2025</a:t>
             </a:fld>
             <a:endParaRPr lang="en-US"/>
           </a:p>
@@ -1791,7 +1791,7 @@
             <a:fld id="{0CF6B6CD-4280-4DE7-9947-040CDBB809E3}" type="datetimeFigureOut">
               <a:rPr lang="en-US" smtClean="0"/>
               <a:pPr/>
-              <a:t>10/4/2023</a:t>
+              <a:t>1/14/2025</a:t>
             </a:fld>
             <a:endParaRPr lang="en-US"/>
           </a:p>
@@ -2208,7 +2208,7 @@
             <a:fld id="{0CF6B6CD-4280-4DE7-9947-040CDBB809E3}" type="datetimeFigureOut">
               <a:rPr lang="en-US" smtClean="0"/>
               <a:pPr/>
-              <a:t>10/4/2023</a:t>
+              <a:t>1/14/2025</a:t>
             </a:fld>
             <a:endParaRPr lang="en-US"/>
           </a:p>
@@ -2323,7 +2323,7 @@
             <a:fld id="{0CF6B6CD-4280-4DE7-9947-040CDBB809E3}" type="datetimeFigureOut">
               <a:rPr lang="en-US" smtClean="0"/>
               <a:pPr/>
-              <a:t>10/4/2023</a:t>
+              <a:t>1/14/2025</a:t>
             </a:fld>
             <a:endParaRPr lang="en-US"/>
           </a:p>
@@ -2416,7 +2416,7 @@
             <a:fld id="{0CF6B6CD-4280-4DE7-9947-040CDBB809E3}" type="datetimeFigureOut">
               <a:rPr lang="en-US" smtClean="0"/>
               <a:pPr/>
-              <a:t>10/4/2023</a:t>
+              <a:t>1/14/2025</a:t>
             </a:fld>
             <a:endParaRPr lang="en-US"/>
           </a:p>
@@ -2689,7 +2689,7 @@
             <a:fld id="{0CF6B6CD-4280-4DE7-9947-040CDBB809E3}" type="datetimeFigureOut">
               <a:rPr lang="en-US" smtClean="0"/>
               <a:pPr/>
-              <a:t>10/4/2023</a:t>
+              <a:t>1/14/2025</a:t>
             </a:fld>
             <a:endParaRPr lang="en-US"/>
           </a:p>
@@ -2939,7 +2939,7 @@
             <a:fld id="{0CF6B6CD-4280-4DE7-9947-040CDBB809E3}" type="datetimeFigureOut">
               <a:rPr lang="en-US" smtClean="0"/>
               <a:pPr/>
-              <a:t>10/4/2023</a:t>
+              <a:t>1/14/2025</a:t>
             </a:fld>
             <a:endParaRPr lang="en-US"/>
           </a:p>
@@ -3148,7 +3148,7 @@
             <a:fld id="{0CF6B6CD-4280-4DE7-9947-040CDBB809E3}" type="datetimeFigureOut">
               <a:rPr lang="en-US" smtClean="0"/>
               <a:pPr/>
-              <a:t>10/4/2023</a:t>
+              <a:t>1/14/2025</a:t>
             </a:fld>
             <a:endParaRPr lang="en-US"/>
           </a:p>
@@ -9512,10 +9512,16 @@
           <p:cNvGraphicFramePr>
             <a:graphicFrameLocks noGrp="1"/>
           </p:cNvGraphicFramePr>
-          <p:nvPr/>
+          <p:nvPr>
+            <p:extLst>
+              <p:ext uri="{D42A27DB-BD31-4B8C-83A1-F6EECF244321}">
+                <p14:modId xmlns:p14="http://schemas.microsoft.com/office/powerpoint/2010/main" val="1434907982"/>
+              </p:ext>
+            </p:extLst>
+          </p:nvPr>
         </p:nvGraphicFramePr>
         <p:xfrm>
-          <a:off x="714348" y="2500306"/>
+          <a:off x="678629" y="2681943"/>
           <a:ext cx="7715304" cy="1941832"/>
         </p:xfrm>
         <a:graphic>
@@ -13050,14 +13056,20 @@
           <a:lstStyle/>
           <a:p>
             <a:r>
-              <a:rPr lang="en-US" dirty="0">
+              <a:rPr lang="en-US">
                 <a:solidFill>
                   <a:srgbClr val="002060"/>
                 </a:solidFill>
                 <a:latin typeface="Arial Rounded MT Bold" pitchFamily="34" charset="0"/>
               </a:rPr>
-              <a:t>What  We Discussed?</a:t>
-            </a:r>
+              <a:t>,</a:t>
+            </a:r>
+            <a:endParaRPr lang="en-US" dirty="0">
+              <a:solidFill>
+                <a:srgbClr val="002060"/>
+              </a:solidFill>
+              <a:latin typeface="Arial Rounded MT Bold" pitchFamily="34" charset="0"/>
+            </a:endParaRPr>
           </a:p>
         </p:txBody>
       </p:sp>
@@ -19109,22 +19121,13 @@
                     <a:lstStyle/>
                     <a:p>
                       <a:r>
-                        <a:rPr lang="en-US" sz="1800" u="none" dirty="0" err="1">
-                          <a:solidFill>
-                            <a:srgbClr val="002060"/>
-                          </a:solidFill>
-                          <a:latin typeface="Arial Rounded MT Bold" pitchFamily="34" charset="0"/>
-                        </a:rPr>
-                        <a:t>indexOf</a:t>
-                      </a:r>
-                      <a:r>
                         <a:rPr lang="en-US" sz="1800" u="none" dirty="0">
                           <a:solidFill>
                             <a:srgbClr val="002060"/>
                           </a:solidFill>
                           <a:latin typeface="Arial Rounded MT Bold" pitchFamily="34" charset="0"/>
                         </a:rPr>
-                        <a:t>()</a:t>
+                        <a:t>indexOf()</a:t>
                       </a:r>
                     </a:p>
                     <a:p>
@@ -19209,22 +19212,13 @@
                         <a:defRPr/>
                       </a:pPr>
                       <a:r>
-                        <a:rPr lang="en-US" sz="1800" u="none" dirty="0" err="1">
-                          <a:solidFill>
-                            <a:srgbClr val="002060"/>
-                          </a:solidFill>
-                          <a:latin typeface="Arial Rounded MT Bold" pitchFamily="34" charset="0"/>
-                        </a:rPr>
-                        <a:t>lastIndexOf</a:t>
-                      </a:r>
-                      <a:r>
                         <a:rPr lang="en-US" sz="1800" u="none" dirty="0">
                           <a:solidFill>
                             <a:srgbClr val="002060"/>
                           </a:solidFill>
                           <a:latin typeface="Arial Rounded MT Bold" pitchFamily="34" charset="0"/>
                         </a:rPr>
-                        <a:t>()</a:t>
+                        <a:t>lastIndexOf()</a:t>
                       </a:r>
                     </a:p>
                     <a:p>
